--- a/flyer.pptx
+++ b/flyer.pptx
@@ -6,6 +6,8 @@
   </p:sldMasterIdLst>
   <p:sldIdLst>
     <p:sldId id="257" r:id="rId2"/>
+    <p:sldId id="258" r:id="rId3"/>
+    <p:sldId id="259" r:id="rId4"/>
   </p:sldIdLst>
   <p:sldSz cx="9144000" cy="6858000" type="screen4x3"/>
   <p:notesSz cx="6858000" cy="9144000"/>
@@ -288,7 +290,7 @@
           <a:p>
             <a:fld id="{F0949073-4417-974E-B8D1-742CBFE35291}" type="datetimeFigureOut">
               <a:rPr kumimoji="1" lang="ja-JP" altLang="en-US" smtClean="0"/>
-              <a:t>17/12/15</a:t>
+              <a:t>17/12/21</a:t>
             </a:fld>
             <a:endParaRPr kumimoji="1" lang="ja-JP" altLang="en-US"/>
           </a:p>
@@ -490,7 +492,7 @@
           <a:p>
             <a:fld id="{F0949073-4417-974E-B8D1-742CBFE35291}" type="datetimeFigureOut">
               <a:rPr kumimoji="1" lang="ja-JP" altLang="en-US" smtClean="0"/>
-              <a:t>17/12/15</a:t>
+              <a:t>17/12/21</a:t>
             </a:fld>
             <a:endParaRPr kumimoji="1" lang="ja-JP" altLang="en-US"/>
           </a:p>
@@ -702,7 +704,7 @@
           <a:p>
             <a:fld id="{F0949073-4417-974E-B8D1-742CBFE35291}" type="datetimeFigureOut">
               <a:rPr kumimoji="1" lang="ja-JP" altLang="en-US" smtClean="0"/>
-              <a:t>17/12/15</a:t>
+              <a:t>17/12/21</a:t>
             </a:fld>
             <a:endParaRPr kumimoji="1" lang="ja-JP" altLang="en-US"/>
           </a:p>
@@ -904,7 +906,7 @@
           <a:p>
             <a:fld id="{F0949073-4417-974E-B8D1-742CBFE35291}" type="datetimeFigureOut">
               <a:rPr kumimoji="1" lang="ja-JP" altLang="en-US" smtClean="0"/>
-              <a:t>17/12/15</a:t>
+              <a:t>17/12/21</a:t>
             </a:fld>
             <a:endParaRPr kumimoji="1" lang="ja-JP" altLang="en-US"/>
           </a:p>
@@ -1150,7 +1152,7 @@
           <a:p>
             <a:fld id="{F0949073-4417-974E-B8D1-742CBFE35291}" type="datetimeFigureOut">
               <a:rPr kumimoji="1" lang="ja-JP" altLang="en-US" smtClean="0"/>
-              <a:t>17/12/15</a:t>
+              <a:t>17/12/21</a:t>
             </a:fld>
             <a:endParaRPr kumimoji="1" lang="ja-JP" altLang="en-US"/>
           </a:p>
@@ -1502,7 +1504,7 @@
           <a:p>
             <a:fld id="{F0949073-4417-974E-B8D1-742CBFE35291}" type="datetimeFigureOut">
               <a:rPr kumimoji="1" lang="ja-JP" altLang="en-US" smtClean="0"/>
-              <a:t>17/12/15</a:t>
+              <a:t>17/12/21</a:t>
             </a:fld>
             <a:endParaRPr kumimoji="1" lang="ja-JP" altLang="en-US"/>
           </a:p>
@@ -1988,7 +1990,7 @@
           <a:p>
             <a:fld id="{F0949073-4417-974E-B8D1-742CBFE35291}" type="datetimeFigureOut">
               <a:rPr kumimoji="1" lang="ja-JP" altLang="en-US" smtClean="0"/>
-              <a:t>17/12/15</a:t>
+              <a:t>17/12/21</a:t>
             </a:fld>
             <a:endParaRPr kumimoji="1" lang="ja-JP" altLang="en-US"/>
           </a:p>
@@ -2106,7 +2108,7 @@
           <a:p>
             <a:fld id="{F0949073-4417-974E-B8D1-742CBFE35291}" type="datetimeFigureOut">
               <a:rPr kumimoji="1" lang="ja-JP" altLang="en-US" smtClean="0"/>
-              <a:t>17/12/15</a:t>
+              <a:t>17/12/21</a:t>
             </a:fld>
             <a:endParaRPr kumimoji="1" lang="ja-JP" altLang="en-US"/>
           </a:p>
@@ -2201,7 +2203,7 @@
           <a:p>
             <a:fld id="{F0949073-4417-974E-B8D1-742CBFE35291}" type="datetimeFigureOut">
               <a:rPr kumimoji="1" lang="ja-JP" altLang="en-US" smtClean="0"/>
-              <a:t>17/12/15</a:t>
+              <a:t>17/12/21</a:t>
             </a:fld>
             <a:endParaRPr kumimoji="1" lang="ja-JP" altLang="en-US"/>
           </a:p>
@@ -2510,7 +2512,7 @@
           <a:p>
             <a:fld id="{F0949073-4417-974E-B8D1-742CBFE35291}" type="datetimeFigureOut">
               <a:rPr kumimoji="1" lang="ja-JP" altLang="en-US" smtClean="0"/>
-              <a:t>17/12/15</a:t>
+              <a:t>17/12/21</a:t>
             </a:fld>
             <a:endParaRPr kumimoji="1" lang="ja-JP" altLang="en-US"/>
           </a:p>
@@ -2763,7 +2765,7 @@
           <a:p>
             <a:fld id="{F0949073-4417-974E-B8D1-742CBFE35291}" type="datetimeFigureOut">
               <a:rPr kumimoji="1" lang="ja-JP" altLang="en-US" smtClean="0"/>
-              <a:t>17/12/15</a:t>
+              <a:t>17/12/21</a:t>
             </a:fld>
             <a:endParaRPr kumimoji="1" lang="ja-JP" altLang="en-US"/>
           </a:p>
@@ -3008,7 +3010,7 @@
           <a:p>
             <a:fld id="{F0949073-4417-974E-B8D1-742CBFE35291}" type="datetimeFigureOut">
               <a:rPr kumimoji="1" lang="ja-JP" altLang="en-US" smtClean="0"/>
-              <a:t>17/12/15</a:t>
+              <a:t>17/12/21</a:t>
             </a:fld>
             <a:endParaRPr kumimoji="1" lang="ja-JP" altLang="en-US"/>
           </a:p>
@@ -3579,6 +3581,266 @@
     <p:extLst>
       <p:ext uri="{BB962C8B-B14F-4D97-AF65-F5344CB8AC3E}">
         <p14:creationId xmlns:p14="http://schemas.microsoft.com/office/powerpoint/2010/main" val="3891246247"/>
+      </p:ext>
+    </p:extLst>
+  </p:cSld>
+  <p:clrMapOvr>
+    <a:masterClrMapping/>
+  </p:clrMapOvr>
+</p:sld>
+</file>
+
+<file path=ppt/slides/slide2.xml><?xml version="1.0" encoding="utf-8"?>
+<p:sld xmlns:a="http://schemas.openxmlformats.org/drawingml/2006/main" xmlns:r="http://schemas.openxmlformats.org/officeDocument/2006/relationships" xmlns:p="http://schemas.openxmlformats.org/presentationml/2006/main">
+  <p:cSld>
+    <p:spTree>
+      <p:nvGrpSpPr>
+        <p:cNvPr id="1" name=""/>
+        <p:cNvGrpSpPr/>
+        <p:nvPr/>
+      </p:nvGrpSpPr>
+      <p:grpSpPr>
+        <a:xfrm>
+          <a:off x="0" y="0"/>
+          <a:ext cx="0" cy="0"/>
+          <a:chOff x="0" y="0"/>
+          <a:chExt cx="0" cy="0"/>
+        </a:xfrm>
+      </p:grpSpPr>
+      <p:pic>
+        <p:nvPicPr>
+          <p:cNvPr id="6" name="図 5" descr="ouen-normal.png"/>
+          <p:cNvPicPr>
+            <a:picLocks noChangeAspect="1"/>
+          </p:cNvPicPr>
+          <p:nvPr/>
+        </p:nvPicPr>
+        <p:blipFill>
+          <a:blip r:embed="rId2">
+            <a:extLst>
+              <a:ext uri="{28A0092B-C50C-407E-A947-70E740481C1C}">
+                <a14:useLocalDpi xmlns:a14="http://schemas.microsoft.com/office/drawing/2010/main" val="0"/>
+              </a:ext>
+            </a:extLst>
+          </a:blip>
+          <a:stretch>
+            <a:fillRect/>
+          </a:stretch>
+        </p:blipFill>
+        <p:spPr>
+          <a:xfrm>
+            <a:off x="1255315" y="0"/>
+            <a:ext cx="6858000" cy="6858000"/>
+          </a:xfrm>
+          <a:prstGeom prst="rect">
+            <a:avLst/>
+          </a:prstGeom>
+        </p:spPr>
+      </p:pic>
+      <p:sp>
+        <p:nvSpPr>
+          <p:cNvPr id="7" name="テキスト ボックス 6"/>
+          <p:cNvSpPr txBox="1"/>
+          <p:nvPr/>
+        </p:nvSpPr>
+        <p:spPr>
+          <a:xfrm>
+            <a:off x="1255315" y="1505759"/>
+            <a:ext cx="7000634" cy="1107996"/>
+          </a:xfrm>
+          <a:prstGeom prst="rect">
+            <a:avLst/>
+          </a:prstGeom>
+          <a:noFill/>
+        </p:spPr>
+        <p:txBody>
+          <a:bodyPr wrap="none" rtlCol="0">
+            <a:spAutoFit/>
+          </a:bodyPr>
+          <a:lstStyle/>
+          <a:p>
+            <a:r>
+              <a:rPr kumimoji="1" lang="ja-JP" altLang="en-US" sz="6600" dirty="0" smtClean="0">
+                <a:ln w="18415" cmpd="sng">
+                  <a:solidFill>
+                    <a:srgbClr val="FFFFFF"/>
+                  </a:solidFill>
+                  <a:prstDash val="solid"/>
+                </a:ln>
+                <a:solidFill>
+                  <a:srgbClr val="FFFFFF"/>
+                </a:solidFill>
+                <a:effectLst>
+                  <a:outerShdw blurRad="63500" dir="3600000" algn="tl" rotWithShape="0">
+                    <a:srgbClr val="000000">
+                      <a:alpha val="70000"/>
+                    </a:srgbClr>
+                  </a:outerShdw>
+                </a:effectLst>
+                <a:latin typeface="ヒラギノ丸ゴ Pro W4"/>
+                <a:ea typeface="ヒラギノ丸ゴ Pro W4"/>
+                <a:cs typeface="ヒラギノ丸ゴ Pro W4"/>
+              </a:rPr>
+              <a:t>ゴールおめでとう</a:t>
+            </a:r>
+            <a:endParaRPr kumimoji="1" lang="ja-JP" altLang="en-US" sz="6600" dirty="0">
+              <a:ln w="18415" cmpd="sng">
+                <a:solidFill>
+                  <a:srgbClr val="FFFFFF"/>
+                </a:solidFill>
+                <a:prstDash val="solid"/>
+              </a:ln>
+              <a:solidFill>
+                <a:srgbClr val="FFFFFF"/>
+              </a:solidFill>
+              <a:effectLst>
+                <a:outerShdw blurRad="63500" dir="3600000" algn="tl" rotWithShape="0">
+                  <a:srgbClr val="000000">
+                    <a:alpha val="70000"/>
+                  </a:srgbClr>
+                </a:outerShdw>
+              </a:effectLst>
+              <a:latin typeface="ヒラギノ丸ゴ Pro W4"/>
+              <a:ea typeface="ヒラギノ丸ゴ Pro W4"/>
+              <a:cs typeface="ヒラギノ丸ゴ Pro W4"/>
+            </a:endParaRPr>
+          </a:p>
+        </p:txBody>
+      </p:sp>
+    </p:spTree>
+    <p:extLst>
+      <p:ext uri="{BB962C8B-B14F-4D97-AF65-F5344CB8AC3E}">
+        <p14:creationId xmlns:p14="http://schemas.microsoft.com/office/powerpoint/2010/main" val="3127723891"/>
+      </p:ext>
+    </p:extLst>
+  </p:cSld>
+  <p:clrMapOvr>
+    <a:masterClrMapping/>
+  </p:clrMapOvr>
+</p:sld>
+</file>
+
+<file path=ppt/slides/slide3.xml><?xml version="1.0" encoding="utf-8"?>
+<p:sld xmlns:a="http://schemas.openxmlformats.org/drawingml/2006/main" xmlns:r="http://schemas.openxmlformats.org/officeDocument/2006/relationships" xmlns:p="http://schemas.openxmlformats.org/presentationml/2006/main">
+  <p:cSld>
+    <p:spTree>
+      <p:nvGrpSpPr>
+        <p:cNvPr id="1" name=""/>
+        <p:cNvGrpSpPr/>
+        <p:nvPr/>
+      </p:nvGrpSpPr>
+      <p:grpSpPr>
+        <a:xfrm>
+          <a:off x="0" y="0"/>
+          <a:ext cx="0" cy="0"/>
+          <a:chOff x="0" y="0"/>
+          <a:chExt cx="0" cy="0"/>
+        </a:xfrm>
+      </p:grpSpPr>
+      <p:pic>
+        <p:nvPicPr>
+          <p:cNvPr id="6" name="図 5" descr="ouen-normal.png"/>
+          <p:cNvPicPr>
+            <a:picLocks noChangeAspect="1"/>
+          </p:cNvPicPr>
+          <p:nvPr/>
+        </p:nvPicPr>
+        <p:blipFill>
+          <a:blip r:embed="rId2">
+            <a:extLst>
+              <a:ext uri="{28A0092B-C50C-407E-A947-70E740481C1C}">
+                <a14:useLocalDpi xmlns:a14="http://schemas.microsoft.com/office/drawing/2010/main" val="0"/>
+              </a:ext>
+            </a:extLst>
+          </a:blip>
+          <a:stretch>
+            <a:fillRect/>
+          </a:stretch>
+        </p:blipFill>
+        <p:spPr>
+          <a:xfrm>
+            <a:off x="1255315" y="0"/>
+            <a:ext cx="6858000" cy="6858000"/>
+          </a:xfrm>
+          <a:prstGeom prst="rect">
+            <a:avLst/>
+          </a:prstGeom>
+        </p:spPr>
+      </p:pic>
+      <p:sp>
+        <p:nvSpPr>
+          <p:cNvPr id="7" name="テキスト ボックス 6"/>
+          <p:cNvSpPr txBox="1"/>
+          <p:nvPr/>
+        </p:nvSpPr>
+        <p:spPr>
+          <a:xfrm>
+            <a:off x="1124118" y="1523015"/>
+            <a:ext cx="7160935" cy="1015663"/>
+          </a:xfrm>
+          <a:prstGeom prst="rect">
+            <a:avLst/>
+          </a:prstGeom>
+          <a:noFill/>
+        </p:spPr>
+        <p:txBody>
+          <a:bodyPr wrap="none" rtlCol="0">
+            <a:spAutoFit/>
+          </a:bodyPr>
+          <a:lstStyle/>
+          <a:p>
+            <a:r>
+              <a:rPr kumimoji="1" lang="ja-JP" altLang="en-US" sz="6000" dirty="0" smtClean="0">
+                <a:ln w="18415" cmpd="sng">
+                  <a:solidFill>
+                    <a:srgbClr val="FFFFFF"/>
+                  </a:solidFill>
+                  <a:prstDash val="solid"/>
+                </a:ln>
+                <a:solidFill>
+                  <a:srgbClr val="FFFFFF"/>
+                </a:solidFill>
+                <a:effectLst>
+                  <a:outerShdw blurRad="63500" dir="3600000" algn="tl" rotWithShape="0">
+                    <a:srgbClr val="000000">
+                      <a:alpha val="70000"/>
+                    </a:srgbClr>
+                  </a:outerShdw>
+                </a:effectLst>
+                <a:latin typeface="ヒラギノ丸ゴ Pro W4"/>
+                <a:ea typeface="ヒラギノ丸ゴ Pro W4"/>
+                <a:cs typeface="ヒラギノ丸ゴ Pro W4"/>
+              </a:rPr>
+              <a:t>よくがんばりました</a:t>
+            </a:r>
+            <a:endParaRPr kumimoji="1" lang="ja-JP" altLang="en-US" sz="6000" dirty="0">
+              <a:ln w="18415" cmpd="sng">
+                <a:solidFill>
+                  <a:srgbClr val="FFFFFF"/>
+                </a:solidFill>
+                <a:prstDash val="solid"/>
+              </a:ln>
+              <a:solidFill>
+                <a:srgbClr val="FFFFFF"/>
+              </a:solidFill>
+              <a:effectLst>
+                <a:outerShdw blurRad="63500" dir="3600000" algn="tl" rotWithShape="0">
+                  <a:srgbClr val="000000">
+                    <a:alpha val="70000"/>
+                  </a:srgbClr>
+                </a:outerShdw>
+              </a:effectLst>
+              <a:latin typeface="ヒラギノ丸ゴ Pro W4"/>
+              <a:ea typeface="ヒラギノ丸ゴ Pro W4"/>
+              <a:cs typeface="ヒラギノ丸ゴ Pro W4"/>
+            </a:endParaRPr>
+          </a:p>
+        </p:txBody>
+      </p:sp>
+    </p:spTree>
+    <p:extLst>
+      <p:ext uri="{BB962C8B-B14F-4D97-AF65-F5344CB8AC3E}">
+        <p14:creationId xmlns:p14="http://schemas.microsoft.com/office/powerpoint/2010/main" val="2404191576"/>
       </p:ext>
     </p:extLst>
   </p:cSld>
